--- a/input/Algorithmik.pptx
+++ b/input/Algorithmik.pptx
@@ -13,7 +13,7 @@
   <p:sldIdLst>
     <p:sldId id="1031" r:id="rId2"/>
     <p:sldId id="1037" r:id="rId3"/>
-    <p:sldId id="1038" r:id="rId4"/>
+    <p:sldId id="278" r:id="rId4"/>
     <p:sldId id="279" r:id="rId5"/>
     <p:sldId id="280" r:id="rId6"/>
     <p:sldId id="283" r:id="rId7"/>
@@ -819,7 +819,7 @@
                 </a:lnSpc>
                 <a:defRPr/>
               </a:pPr>
-              <a:t>14.12.2025</a:t>
+              <a:t>19.12.2025</a:t>
             </a:fld>
             <a:endParaRPr lang="de-DE" sz="900" dirty="0"/>
           </a:p>
@@ -1804,7 +1804,7 @@
                 </a:lnSpc>
                 <a:defRPr/>
               </a:pPr>
-              <a:t>14.12.2025</a:t>
+              <a:t>19.12.2025</a:t>
             </a:fld>
             <a:endParaRPr lang="de-DE" sz="900" dirty="0"/>
           </a:p>
@@ -3318,7 +3318,7 @@
             </a:pPr>
             <a:fld id="{C9048784-7281-4837-A1AE-FC4A34A747D6}" type="datetime1">
               <a:rPr lang="de-DE" smtClean="0"/>
-              <a:t>14.12.2025</a:t>
+              <a:t>19.12.2025</a:t>
             </a:fld>
             <a:endParaRPr lang="de-DE" dirty="0"/>
           </a:p>
@@ -4799,7 +4799,7 @@
             </a:pPr>
             <a:fld id="{29E1D907-3A8C-4FA0-AF32-FB476100B44A}" type="datetime1">
               <a:rPr lang="de-DE" smtClean="0"/>
-              <a:t>14.12.2025</a:t>
+              <a:t>19.12.2025</a:t>
             </a:fld>
             <a:endParaRPr lang="de-DE" dirty="0"/>
           </a:p>
@@ -5210,7 +5210,7 @@
             </a:pPr>
             <a:fld id="{0D5930E3-AAC2-4ADF-925B-A037BED539BF}" type="datetime1">
               <a:rPr lang="de-DE" smtClean="0"/>
-              <a:t>14.12.2025</a:t>
+              <a:t>19.12.2025</a:t>
             </a:fld>
             <a:endParaRPr lang="en-US"/>
           </a:p>
@@ -5519,7 +5519,7 @@
             </a:pPr>
             <a:fld id="{77078B80-CC76-49E8-922A-90B2CBA19035}" type="datetime1">
               <a:rPr lang="de-DE" smtClean="0"/>
-              <a:t>14.12.2025</a:t>
+              <a:t>19.12.2025</a:t>
             </a:fld>
             <a:endParaRPr lang="en-US"/>
           </a:p>
@@ -6020,7 +6020,7 @@
             </a:pPr>
             <a:fld id="{410F1620-6991-468A-986C-DEA71AF2A6A8}" type="datetime1">
               <a:rPr lang="de-DE" smtClean="0"/>
-              <a:t>14.12.2025</a:t>
+              <a:t>19.12.2025</a:t>
             </a:fld>
             <a:endParaRPr lang="en-US"/>
           </a:p>
@@ -6418,7 +6418,7 @@
             </a:pPr>
             <a:fld id="{2A021128-E3BC-4510-A597-24FCB75D3A75}" type="datetime1">
               <a:rPr lang="de-DE" smtClean="0"/>
-              <a:t>14.12.2025</a:t>
+              <a:t>19.12.2025</a:t>
             </a:fld>
             <a:endParaRPr lang="de-DE" dirty="0"/>
           </a:p>
@@ -6675,7 +6675,7 @@
             </a:pPr>
             <a:fld id="{204B419C-6100-4ECC-A14C-29389AFC3646}" type="datetime1">
               <a:rPr lang="de-DE" smtClean="0"/>
-              <a:t>14.12.2025</a:t>
+              <a:t>19.12.2025</a:t>
             </a:fld>
             <a:endParaRPr lang="de-DE" dirty="0"/>
           </a:p>
@@ -7066,7 +7066,7 @@
             </a:pPr>
             <a:fld id="{17D379B7-331E-424B-A45F-F03D5981C976}" type="datetime1">
               <a:rPr lang="de-DE" smtClean="0"/>
-              <a:t>14.12.2025</a:t>
+              <a:t>19.12.2025</a:t>
             </a:fld>
             <a:endParaRPr lang="de-DE" dirty="0"/>
           </a:p>
@@ -7608,7 +7608,7 @@
             </a:pPr>
             <a:fld id="{F95F7EFE-EEF9-40C5-9AEC-F07BD35586E4}" type="datetime1">
               <a:rPr lang="de-DE" smtClean="0"/>
-              <a:t>14.12.2025</a:t>
+              <a:t>19.12.2025</a:t>
             </a:fld>
             <a:endParaRPr lang="de-DE" dirty="0"/>
           </a:p>
@@ -7864,7 +7864,7 @@
             </a:pPr>
             <a:fld id="{29F603B7-878E-43D0-A9A1-FA3C2AF87C58}" type="datetime1">
               <a:rPr lang="de-DE" smtClean="0"/>
-              <a:t>14.12.2025</a:t>
+              <a:t>19.12.2025</a:t>
             </a:fld>
             <a:endParaRPr lang="de-DE" dirty="0"/>
           </a:p>
@@ -7961,7 +7961,7 @@
             </a:pPr>
             <a:fld id="{64985212-05E7-49A7-ABD6-673A483CDAE3}" type="datetime1">
               <a:rPr lang="de-DE" smtClean="0"/>
-              <a:t>14.12.2025</a:t>
+              <a:t>19.12.2025</a:t>
             </a:fld>
             <a:endParaRPr lang="de-DE" dirty="0"/>
           </a:p>
@@ -8931,7 +8931,7 @@
             </a:pPr>
             <a:fld id="{8ED535EE-90AE-4348-98D3-AFE064A78180}" type="datetime1">
               <a:rPr lang="de-DE" smtClean="0"/>
-              <a:t>14.12.2025</a:t>
+              <a:t>19.12.2025</a:t>
             </a:fld>
             <a:endParaRPr lang="de-DE" dirty="0"/>
           </a:p>
@@ -9701,7 +9701,7 @@
             </a:pPr>
             <a:fld id="{9C590BB0-1566-4728-8689-C18D1116058A}" type="datetime1">
               <a:rPr lang="de-DE" smtClean="0"/>
-              <a:t>14.12.2025</a:t>
+              <a:t>19.12.2025</a:t>
             </a:fld>
             <a:endParaRPr lang="de-DE" dirty="0"/>
           </a:p>
@@ -10434,7 +10434,7 @@
             <a:fld id="{97C55095-590B-4AAB-8606-0F86796D070A}" type="datetime1">
               <a:rPr lang="de-DE" smtClean="0"/>
               <a:pPr/>
-              <a:t>14.12.2025</a:t>
+              <a:t>19.12.2025</a:t>
             </a:fld>
             <a:endParaRPr lang="de-DE" dirty="0"/>
           </a:p>
@@ -10990,7 +10990,7 @@
             <a:fld id="{F2D06E3F-368B-43DC-96F3-4B8E65027050}" type="datetime1">
               <a:rPr lang="de-DE" smtClean="0"/>
               <a:pPr/>
-              <a:t>14.12.2025</a:t>
+              <a:t>19.12.2025</a:t>
             </a:fld>
             <a:endParaRPr lang="de-DE" dirty="0"/>
           </a:p>
@@ -14240,7 +14240,7 @@
             <a:fld id="{97C55095-590B-4AAB-8606-0F86796D070A}" type="datetime1">
               <a:rPr lang="de-DE" smtClean="0"/>
               <a:pPr/>
-              <a:t>14.12.2025</a:t>
+              <a:t>19.12.2025</a:t>
             </a:fld>
             <a:endParaRPr lang="de-DE" dirty="0"/>
           </a:p>
@@ -14849,7 +14849,7 @@
               <a:buNone/>
             </a:pPr>
             <a:r>
-              <a:rPr lang="en-US" sz="16600" b="1" dirty="0">
+              <a:rPr lang="en-US" sz="16600" b="1">
                 <a:solidFill>
                   <a:srgbClr val="4C3282"/>
                 </a:solidFill>
@@ -14860,7 +14860,7 @@
               </a:rPr>
               <a:t>?</a:t>
             </a:r>
-            <a:endParaRPr dirty="0"/>
+            <a:endParaRPr/>
           </a:p>
         </p:txBody>
       </p:sp>
@@ -15429,7 +15429,7 @@
             <a:fld id="{97C55095-590B-4AAB-8606-0F86796D070A}" type="datetime1">
               <a:rPr lang="de-DE" smtClean="0"/>
               <a:pPr/>
-              <a:t>14.12.2025</a:t>
+              <a:t>19.12.2025</a:t>
             </a:fld>
             <a:endParaRPr lang="de-DE" dirty="0"/>
           </a:p>
@@ -18058,7 +18058,7 @@
             <a:fld id="{97C55095-590B-4AAB-8606-0F86796D070A}" type="datetime1">
               <a:rPr lang="de-DE" smtClean="0"/>
               <a:pPr/>
-              <a:t>14.12.2025</a:t>
+              <a:t>19.12.2025</a:t>
             </a:fld>
             <a:endParaRPr lang="de-DE" dirty="0"/>
           </a:p>
@@ -21777,7 +21777,7 @@
             <a:fld id="{97C55095-590B-4AAB-8606-0F86796D070A}" type="datetime1">
               <a:rPr lang="de-DE" smtClean="0"/>
               <a:pPr/>
-              <a:t>14.12.2025</a:t>
+              <a:t>19.12.2025</a:t>
             </a:fld>
             <a:endParaRPr lang="de-DE" dirty="0"/>
           </a:p>
@@ -24858,7 +24858,7 @@
             <a:fld id="{F2D06E3F-368B-43DC-96F3-4B8E65027050}" type="datetime1">
               <a:rPr lang="de-DE" smtClean="0"/>
               <a:pPr/>
-              <a:t>14.12.2025</a:t>
+              <a:t>19.12.2025</a:t>
             </a:fld>
             <a:endParaRPr lang="de-DE" dirty="0"/>
           </a:p>
@@ -29117,7 +29117,7 @@
             <a:fld id="{F2D06E3F-368B-43DC-96F3-4B8E65027050}" type="datetime1">
               <a:rPr lang="de-DE" smtClean="0"/>
               <a:pPr/>
-              <a:t>14.12.2025</a:t>
+              <a:t>19.12.2025</a:t>
             </a:fld>
             <a:endParaRPr lang="de-DE" dirty="0"/>
           </a:p>
